--- a/Management/Presentation/20220322_RS-Amazon_Products-Presentation.pptx
+++ b/Management/Presentation/20220322_RS-Amazon_Products-Presentation.pptx
@@ -13,8 +13,8 @@
     <p:sldId id="258" r:id="rId4"/>
     <p:sldId id="292" r:id="rId5"/>
     <p:sldId id="289" r:id="rId6"/>
-    <p:sldId id="290" r:id="rId7"/>
-    <p:sldId id="293" r:id="rId8"/>
+    <p:sldId id="293" r:id="rId7"/>
+    <p:sldId id="290" r:id="rId8"/>
     <p:sldId id="291" r:id="rId9"/>
     <p:sldId id="287" r:id="rId10"/>
     <p:sldId id="274" r:id="rId11"/>
@@ -3498,7 +3498,7 @@
     </p:spTree>
     <p:extLst>
       <p:ext uri="{BB962C8B-B14F-4D97-AF65-F5344CB8AC3E}">
-        <p14:creationId xmlns:p14="http://schemas.microsoft.com/office/powerpoint/2010/main" val="717779228"/>
+        <p14:creationId xmlns:p14="http://schemas.microsoft.com/office/powerpoint/2010/main" val="1607171482"/>
       </p:ext>
     </p:extLst>
   </p:cSld>
@@ -3627,7 +3627,7 @@
     </p:spTree>
     <p:extLst>
       <p:ext uri="{BB962C8B-B14F-4D97-AF65-F5344CB8AC3E}">
-        <p14:creationId xmlns:p14="http://schemas.microsoft.com/office/powerpoint/2010/main" val="1607171482"/>
+        <p14:creationId xmlns:p14="http://schemas.microsoft.com/office/powerpoint/2010/main" val="717779228"/>
       </p:ext>
     </p:extLst>
   </p:cSld>
@@ -15448,7 +15448,7 @@
         </p:nvSpPr>
         <p:spPr>
           <a:xfrm flipH="1">
-            <a:off x="9600" y="25"/>
+            <a:off x="0" y="236764"/>
             <a:ext cx="9144000" cy="5143500"/>
           </a:xfrm>
           <a:prstGeom prst="rtTriangle">
@@ -15495,7 +15495,7 @@
         </p:blipFill>
         <p:spPr>
           <a:xfrm>
-            <a:off x="6817350" y="2448800"/>
+            <a:off x="6817325" y="2431656"/>
             <a:ext cx="1063425" cy="1421925"/>
           </a:xfrm>
           <a:prstGeom prst="rect">
@@ -15814,18 +15814,198 @@
           </p:txBody>
         </p:sp>
       </p:grpSp>
+      <p:sp>
+        <p:nvSpPr>
+          <p:cNvPr id="79" name="Google Shape;79;p14"/>
+          <p:cNvSpPr txBox="1"/>
+          <p:nvPr/>
+        </p:nvSpPr>
+        <p:spPr>
+          <a:xfrm>
+            <a:off x="4839029" y="3941675"/>
+            <a:ext cx="1317300" cy="431100"/>
+          </a:xfrm>
+          <a:prstGeom prst="rect">
+            <a:avLst/>
+          </a:prstGeom>
+          <a:noFill/>
+          <a:ln>
+            <a:noFill/>
+          </a:ln>
+        </p:spPr>
+        <p:txBody>
+          <a:bodyPr spcFirstLastPara="1" wrap="square" lIns="91425" tIns="91425" rIns="91425" bIns="91425" anchor="t" anchorCtr="0">
+            <a:spAutoFit/>
+          </a:bodyPr>
+          <a:lstStyle/>
+          <a:p>
+            <a:pPr marL="0" lvl="0" indent="0" algn="ctr" rtl="0">
+              <a:spcBef>
+                <a:spcPts val="0"/>
+              </a:spcBef>
+              <a:spcAft>
+                <a:spcPts val="0"/>
+              </a:spcAft>
+              <a:buNone/>
+            </a:pPr>
+            <a:r>
+              <a:rPr lang="es" sz="1600" dirty="0">
+                <a:latin typeface="Lexend"/>
+                <a:ea typeface="Lexend"/>
+                <a:cs typeface="Lexend"/>
+                <a:sym typeface="Lexend"/>
+              </a:rPr>
+              <a:t>Evaristo</a:t>
+            </a:r>
+            <a:endParaRPr sz="1600" dirty="0">
+              <a:latin typeface="Lexend"/>
+              <a:ea typeface="Lexend"/>
+              <a:cs typeface="Lexend"/>
+              <a:sym typeface="Lexend"/>
+            </a:endParaRPr>
+          </a:p>
+        </p:txBody>
+      </p:sp>
+      <p:sp>
+        <p:nvSpPr>
+          <p:cNvPr id="80" name="Google Shape;80;p14"/>
+          <p:cNvSpPr txBox="1"/>
+          <p:nvPr/>
+        </p:nvSpPr>
+        <p:spPr>
+          <a:xfrm>
+            <a:off x="6690388" y="3941675"/>
+            <a:ext cx="1317300" cy="431100"/>
+          </a:xfrm>
+          <a:prstGeom prst="rect">
+            <a:avLst/>
+          </a:prstGeom>
+          <a:noFill/>
+          <a:ln>
+            <a:noFill/>
+          </a:ln>
+        </p:spPr>
+        <p:txBody>
+          <a:bodyPr spcFirstLastPara="1" wrap="square" lIns="91425" tIns="91425" rIns="91425" bIns="91425" anchor="t" anchorCtr="0">
+            <a:spAutoFit/>
+          </a:bodyPr>
+          <a:lstStyle/>
+          <a:p>
+            <a:pPr marL="0" lvl="0" indent="0" algn="ctr" rtl="0">
+              <a:spcBef>
+                <a:spcPts val="0"/>
+              </a:spcBef>
+              <a:spcAft>
+                <a:spcPts val="0"/>
+              </a:spcAft>
+              <a:buNone/>
+            </a:pPr>
+            <a:r>
+              <a:rPr lang="es" sz="1600">
+                <a:latin typeface="Lexend"/>
+                <a:ea typeface="Lexend"/>
+                <a:cs typeface="Lexend"/>
+                <a:sym typeface="Lexend"/>
+              </a:rPr>
+              <a:t>Joan</a:t>
+            </a:r>
+            <a:endParaRPr sz="1600">
+              <a:latin typeface="Lexend"/>
+              <a:ea typeface="Lexend"/>
+              <a:cs typeface="Lexend"/>
+              <a:sym typeface="Lexend"/>
+            </a:endParaRPr>
+          </a:p>
+        </p:txBody>
+      </p:sp>
+      <p:sp>
+        <p:nvSpPr>
+          <p:cNvPr id="82" name="Google Shape;82;p14"/>
+          <p:cNvSpPr txBox="1">
+            <a:spLocks noGrp="1"/>
+          </p:cNvSpPr>
+          <p:nvPr>
+            <p:ph type="sldNum" idx="12"/>
+          </p:nvPr>
+        </p:nvSpPr>
+        <p:spPr>
+          <a:xfrm>
+            <a:off x="8472458" y="4663217"/>
+            <a:ext cx="548700" cy="393600"/>
+          </a:xfrm>
+          <a:prstGeom prst="rect">
+            <a:avLst/>
+          </a:prstGeom>
+        </p:spPr>
+        <p:txBody>
+          <a:bodyPr spcFirstLastPara="1" wrap="square" lIns="91425" tIns="91425" rIns="91425" bIns="91425" anchor="ctr" anchorCtr="0">
+            <a:normAutofit/>
+          </a:bodyPr>
+          <a:lstStyle/>
+          <a:p>
+            <a:pPr marL="0" lvl="0" indent="0" algn="r" rtl="0">
+              <a:spcBef>
+                <a:spcPts val="0"/>
+              </a:spcBef>
+              <a:spcAft>
+                <a:spcPts val="0"/>
+              </a:spcAft>
+              <a:buNone/>
+            </a:pPr>
+            <a:fld id="{00000000-1234-1234-1234-123412341234}" type="slidenum">
+              <a:rPr lang="es"/>
+              <a:t>2</a:t>
+            </a:fld>
+            <a:endParaRPr/>
+          </a:p>
+        </p:txBody>
+      </p:sp>
+      <p:pic>
+        <p:nvPicPr>
+          <p:cNvPr id="83" name="Google Shape;83;p14"/>
+          <p:cNvPicPr preferRelativeResize="0"/>
+          <p:nvPr/>
+        </p:nvPicPr>
+        <p:blipFill>
+          <a:blip r:embed="rId6">
+            <a:alphaModFix/>
+          </a:blip>
+          <a:stretch>
+            <a:fillRect/>
+          </a:stretch>
+        </p:blipFill>
+        <p:spPr>
+          <a:xfrm>
+            <a:off x="1266050" y="2435675"/>
+            <a:ext cx="1063427" cy="1417907"/>
+          </a:xfrm>
+          <a:prstGeom prst="rect">
+            <a:avLst/>
+          </a:prstGeom>
+          <a:noFill/>
+          <a:ln>
+            <a:noFill/>
+          </a:ln>
+        </p:spPr>
+      </p:pic>
       <p:grpSp>
         <p:nvGrpSpPr>
-          <p:cNvPr id="76" name="Google Shape;76;p14"/>
+          <p:cNvPr id="11" name="Group 10">
+            <a:extLst>
+              <a:ext uri="{FF2B5EF4-FFF2-40B4-BE49-F238E27FC236}">
+                <a16:creationId xmlns:a16="http://schemas.microsoft.com/office/drawing/2014/main" id="{3E822B5A-1953-A1B9-5C41-DFB22D67B33F}"/>
+              </a:ext>
+            </a:extLst>
+          </p:cNvPr>
           <p:cNvGrpSpPr/>
           <p:nvPr/>
         </p:nvGrpSpPr>
         <p:grpSpPr>
           <a:xfrm>
             <a:off x="2955380" y="2435675"/>
-            <a:ext cx="1537816" cy="1937100"/>
-            <a:chOff x="2999600" y="2330900"/>
-            <a:chExt cx="1317300" cy="1937100"/>
+            <a:ext cx="1616620" cy="1937100"/>
+            <a:chOff x="2955380" y="2435675"/>
+            <a:chExt cx="1616620" cy="1937100"/>
           </a:xfrm>
         </p:grpSpPr>
         <p:sp>
@@ -15836,8 +16016,8 @@
           </p:nvSpPr>
           <p:spPr>
             <a:xfrm>
-              <a:off x="2999600" y="3836900"/>
-              <a:ext cx="1317300" cy="431100"/>
+              <a:off x="2955380" y="3941675"/>
+              <a:ext cx="1537816" cy="431100"/>
             </a:xfrm>
             <a:prstGeom prst="rect">
               <a:avLst/>
@@ -15863,7 +16043,7 @@
                 <a:buNone/>
               </a:pPr>
               <a:r>
-                <a:rPr lang="es" sz="1600">
+                <a:rPr lang="es" sz="1600" dirty="0">
                   <a:latin typeface="Lexend"/>
                   <a:ea typeface="Lexend"/>
                   <a:cs typeface="Lexend"/>
@@ -15871,7 +16051,7 @@
                 </a:rPr>
                 <a:t>Brenda</a:t>
               </a:r>
-              <a:endParaRPr sz="1600">
+              <a:endParaRPr sz="1600" dirty="0">
                 <a:latin typeface="Lexend"/>
                 <a:ea typeface="Lexend"/>
                 <a:cs typeface="Lexend"/>
@@ -15880,273 +16060,122 @@
             </a:p>
           </p:txBody>
         </p:sp>
-        <p:sp>
-          <p:nvSpPr>
-            <p:cNvPr id="78" name="Google Shape;78;p14"/>
-            <p:cNvSpPr/>
+        <p:grpSp>
+          <p:nvGrpSpPr>
+            <p:cNvPr id="10" name="Group 9">
+              <a:extLst>
+                <a:ext uri="{FF2B5EF4-FFF2-40B4-BE49-F238E27FC236}">
+                  <a16:creationId xmlns:a16="http://schemas.microsoft.com/office/drawing/2014/main" id="{40219FB2-E9DE-2483-48A4-032D23A7AEA0}"/>
+                </a:ext>
+              </a:extLst>
+            </p:cNvPr>
+            <p:cNvGrpSpPr/>
             <p:nvPr/>
-          </p:nvSpPr>
-          <p:spPr>
+          </p:nvGrpSpPr>
+          <p:grpSpPr>
             <a:xfrm>
-              <a:off x="3126950" y="2330900"/>
-              <a:ext cx="1062600" cy="1429500"/>
+              <a:off x="2955400" y="2435675"/>
+              <a:ext cx="1616600" cy="1435049"/>
+              <a:chOff x="2955400" y="2435675"/>
+              <a:chExt cx="1616600" cy="1435049"/>
             </a:xfrm>
-            <a:prstGeom prst="rect">
-              <a:avLst/>
-            </a:prstGeom>
-            <a:solidFill>
-              <a:srgbClr val="EFEFEF"/>
-            </a:solidFill>
-            <a:ln>
+          </p:grpSpPr>
+          <p:sp>
+            <p:nvSpPr>
+              <p:cNvPr id="78" name="Google Shape;78;p14"/>
+              <p:cNvSpPr/>
+              <p:nvPr/>
+            </p:nvSpPr>
+            <p:spPr>
+              <a:xfrm>
+                <a:off x="3104048" y="2435675"/>
+                <a:ext cx="1240479" cy="1429500"/>
+              </a:xfrm>
+              <a:prstGeom prst="rect">
+                <a:avLst/>
+              </a:prstGeom>
+              <a:solidFill>
+                <a:srgbClr val="EFEFEF"/>
+              </a:solidFill>
+              <a:ln>
+                <a:noFill/>
+              </a:ln>
+            </p:spPr>
+            <p:txBody>
+              <a:bodyPr spcFirstLastPara="1" wrap="square" lIns="91425" tIns="91425" rIns="91425" bIns="91425" anchor="ctr" anchorCtr="0">
+                <a:noAutofit/>
+              </a:bodyPr>
+              <a:lstStyle/>
+              <a:p>
+                <a:pPr marL="0" lvl="0" indent="0" algn="l" rtl="0">
+                  <a:spcBef>
+                    <a:spcPts val="0"/>
+                  </a:spcBef>
+                  <a:spcAft>
+                    <a:spcPts val="0"/>
+                  </a:spcAft>
+                  <a:buNone/>
+                </a:pPr>
+                <a:endParaRPr/>
+              </a:p>
+            </p:txBody>
+          </p:sp>
+          <p:pic>
+            <p:nvPicPr>
+              <p:cNvPr id="84" name="Google Shape;84;p14"/>
+              <p:cNvPicPr preferRelativeResize="0"/>
+              <p:nvPr/>
+            </p:nvPicPr>
+            <p:blipFill rotWithShape="1">
+              <a:blip r:embed="rId7">
+                <a:alphaModFix/>
+              </a:blip>
+              <a:srcRect t="25308" b="37029"/>
+              <a:stretch/>
+            </p:blipFill>
+            <p:spPr>
+              <a:xfrm>
+                <a:off x="2955400" y="2550692"/>
+                <a:ext cx="1616600" cy="1320032"/>
+              </a:xfrm>
+              <a:prstGeom prst="rect">
+                <a:avLst/>
+              </a:prstGeom>
               <a:noFill/>
-            </a:ln>
-          </p:spPr>
-          <p:txBody>
-            <a:bodyPr spcFirstLastPara="1" wrap="square" lIns="91425" tIns="91425" rIns="91425" bIns="91425" anchor="ctr" anchorCtr="0">
-              <a:noAutofit/>
-            </a:bodyPr>
-            <a:lstStyle/>
-            <a:p>
-              <a:pPr marL="0" lvl="0" indent="0" algn="l" rtl="0">
-                <a:spcBef>
-                  <a:spcPts val="0"/>
-                </a:spcBef>
-                <a:spcAft>
-                  <a:spcPts val="0"/>
-                </a:spcAft>
-                <a:buNone/>
-              </a:pPr>
-              <a:endParaRPr/>
-            </a:p>
-          </p:txBody>
-        </p:sp>
+              <a:ln>
+                <a:noFill/>
+              </a:ln>
+            </p:spPr>
+          </p:pic>
+        </p:grpSp>
       </p:grpSp>
-      <p:sp>
-        <p:nvSpPr>
-          <p:cNvPr id="79" name="Google Shape;79;p14"/>
-          <p:cNvSpPr txBox="1"/>
-          <p:nvPr/>
-        </p:nvSpPr>
-        <p:spPr>
-          <a:xfrm>
-            <a:off x="4839029" y="3941675"/>
-            <a:ext cx="1317300" cy="431100"/>
-          </a:xfrm>
-          <a:prstGeom prst="rect">
-            <a:avLst/>
-          </a:prstGeom>
-          <a:noFill/>
-          <a:ln>
-            <a:noFill/>
-          </a:ln>
-        </p:spPr>
-        <p:txBody>
-          <a:bodyPr spcFirstLastPara="1" wrap="square" lIns="91425" tIns="91425" rIns="91425" bIns="91425" anchor="t" anchorCtr="0">
-            <a:spAutoFit/>
-          </a:bodyPr>
-          <a:lstStyle/>
-          <a:p>
-            <a:pPr marL="0" lvl="0" indent="0" algn="ctr" rtl="0">
-              <a:spcBef>
-                <a:spcPts val="0"/>
-              </a:spcBef>
-              <a:spcAft>
-                <a:spcPts val="0"/>
-              </a:spcAft>
-              <a:buNone/>
-            </a:pPr>
-            <a:r>
-              <a:rPr lang="es" sz="1600">
-                <a:latin typeface="Lexend"/>
-                <a:ea typeface="Lexend"/>
-                <a:cs typeface="Lexend"/>
-                <a:sym typeface="Lexend"/>
-              </a:rPr>
-              <a:t>Evaristo</a:t>
-            </a:r>
-            <a:endParaRPr sz="1600">
-              <a:latin typeface="Lexend"/>
-              <a:ea typeface="Lexend"/>
-              <a:cs typeface="Lexend"/>
-              <a:sym typeface="Lexend"/>
-            </a:endParaRPr>
-          </a:p>
-        </p:txBody>
-      </p:sp>
-      <p:sp>
-        <p:nvSpPr>
-          <p:cNvPr id="80" name="Google Shape;80;p14"/>
-          <p:cNvSpPr txBox="1"/>
-          <p:nvPr/>
-        </p:nvSpPr>
-        <p:spPr>
-          <a:xfrm>
-            <a:off x="6690388" y="3941675"/>
-            <a:ext cx="1317300" cy="431100"/>
-          </a:xfrm>
-          <a:prstGeom prst="rect">
-            <a:avLst/>
-          </a:prstGeom>
-          <a:noFill/>
-          <a:ln>
-            <a:noFill/>
-          </a:ln>
-        </p:spPr>
-        <p:txBody>
-          <a:bodyPr spcFirstLastPara="1" wrap="square" lIns="91425" tIns="91425" rIns="91425" bIns="91425" anchor="t" anchorCtr="0">
-            <a:spAutoFit/>
-          </a:bodyPr>
-          <a:lstStyle/>
-          <a:p>
-            <a:pPr marL="0" lvl="0" indent="0" algn="ctr" rtl="0">
-              <a:spcBef>
-                <a:spcPts val="0"/>
-              </a:spcBef>
-              <a:spcAft>
-                <a:spcPts val="0"/>
-              </a:spcAft>
-              <a:buNone/>
-            </a:pPr>
-            <a:r>
-              <a:rPr lang="es" sz="1600">
-                <a:latin typeface="Lexend"/>
-                <a:ea typeface="Lexend"/>
-                <a:cs typeface="Lexend"/>
-                <a:sym typeface="Lexend"/>
-              </a:rPr>
-              <a:t>Joan</a:t>
-            </a:r>
-            <a:endParaRPr sz="1600">
-              <a:latin typeface="Lexend"/>
-              <a:ea typeface="Lexend"/>
-              <a:cs typeface="Lexend"/>
-              <a:sym typeface="Lexend"/>
-            </a:endParaRPr>
-          </a:p>
-        </p:txBody>
-      </p:sp>
       <p:pic>
         <p:nvPicPr>
-          <p:cNvPr id="81" name="Google Shape;81;p14"/>
-          <p:cNvPicPr preferRelativeResize="0"/>
+          <p:cNvPr id="3" name="Picture 2">
+            <a:extLst>
+              <a:ext uri="{FF2B5EF4-FFF2-40B4-BE49-F238E27FC236}">
+                <a16:creationId xmlns:a16="http://schemas.microsoft.com/office/drawing/2014/main" id="{44EE271F-D495-E640-1C85-1CCC126B89F7}"/>
+              </a:ext>
+            </a:extLst>
+          </p:cNvPr>
+          <p:cNvPicPr>
+            <a:picLocks noChangeAspect="1"/>
+          </p:cNvPicPr>
           <p:nvPr/>
         </p:nvPicPr>
         <p:blipFill rotWithShape="1">
-          <a:blip r:embed="rId6">
-            <a:alphaModFix/>
-          </a:blip>
-          <a:srcRect l="26272" r="21926" b="1273"/>
+          <a:blip r:embed="rId8"/>
+          <a:srcRect l="24611" r="22482"/>
           <a:stretch/>
         </p:blipFill>
         <p:spPr>
           <a:xfrm>
-            <a:off x="4965975" y="2435675"/>
-            <a:ext cx="1063413" cy="1429666"/>
-          </a:xfrm>
-          <a:prstGeom prst="rect">
-            <a:avLst/>
-          </a:prstGeom>
-          <a:noFill/>
-          <a:ln>
-            <a:noFill/>
-          </a:ln>
-        </p:spPr>
-      </p:pic>
-      <p:sp>
-        <p:nvSpPr>
-          <p:cNvPr id="82" name="Google Shape;82;p14"/>
-          <p:cNvSpPr txBox="1">
-            <a:spLocks noGrp="1"/>
-          </p:cNvSpPr>
-          <p:nvPr>
-            <p:ph type="sldNum" idx="12"/>
-          </p:nvPr>
-        </p:nvSpPr>
-        <p:spPr>
-          <a:xfrm>
-            <a:off x="8472458" y="4663217"/>
-            <a:ext cx="548700" cy="393600"/>
-          </a:xfrm>
-          <a:prstGeom prst="rect">
-            <a:avLst/>
-          </a:prstGeom>
-        </p:spPr>
-        <p:txBody>
-          <a:bodyPr spcFirstLastPara="1" wrap="square" lIns="91425" tIns="91425" rIns="91425" bIns="91425" anchor="ctr" anchorCtr="0">
-            <a:normAutofit/>
-          </a:bodyPr>
-          <a:lstStyle/>
-          <a:p>
-            <a:pPr marL="0" lvl="0" indent="0" algn="r" rtl="0">
-              <a:spcBef>
-                <a:spcPts val="0"/>
-              </a:spcBef>
-              <a:spcAft>
-                <a:spcPts val="0"/>
-              </a:spcAft>
-              <a:buNone/>
-            </a:pPr>
-            <a:fld id="{00000000-1234-1234-1234-123412341234}" type="slidenum">
-              <a:rPr lang="es"/>
-              <a:t>2</a:t>
-            </a:fld>
-            <a:endParaRPr/>
-          </a:p>
-        </p:txBody>
-      </p:sp>
-      <p:pic>
-        <p:nvPicPr>
-          <p:cNvPr id="83" name="Google Shape;83;p14"/>
-          <p:cNvPicPr preferRelativeResize="0"/>
-          <p:nvPr/>
-        </p:nvPicPr>
-        <p:blipFill>
-          <a:blip r:embed="rId7">
-            <a:alphaModFix/>
-          </a:blip>
-          <a:stretch>
-            <a:fillRect/>
-          </a:stretch>
-        </p:blipFill>
-        <p:spPr>
-          <a:xfrm>
-            <a:off x="1266050" y="2435675"/>
+            <a:off x="4965965" y="2435674"/>
             <a:ext cx="1063427" cy="1417907"/>
           </a:xfrm>
           <a:prstGeom prst="rect">
             <a:avLst/>
           </a:prstGeom>
-          <a:noFill/>
-          <a:ln>
-            <a:noFill/>
-          </a:ln>
-        </p:spPr>
-      </p:pic>
-      <p:pic>
-        <p:nvPicPr>
-          <p:cNvPr id="84" name="Google Shape;84;p14"/>
-          <p:cNvPicPr preferRelativeResize="0"/>
-          <p:nvPr/>
-        </p:nvPicPr>
-        <p:blipFill rotWithShape="1">
-          <a:blip r:embed="rId8">
-            <a:alphaModFix/>
-          </a:blip>
-          <a:srcRect t="25308" b="37029"/>
-          <a:stretch/>
-        </p:blipFill>
-        <p:spPr>
-          <a:xfrm>
-            <a:off x="2955400" y="2550692"/>
-            <a:ext cx="1616600" cy="1320032"/>
-          </a:xfrm>
-          <a:prstGeom prst="rect">
-            <a:avLst/>
-          </a:prstGeom>
-          <a:noFill/>
-          <a:ln>
-            <a:noFill/>
-          </a:ln>
         </p:spPr>
       </p:pic>
     </p:spTree>
@@ -20136,15 +20165,15 @@
               <a:buNone/>
             </a:pPr>
             <a:r>
-              <a:rPr lang="es" sz="2200">
+              <a:rPr lang="es" sz="2200" dirty="0">
                 <a:latin typeface="Lexend"/>
                 <a:ea typeface="Lexend"/>
                 <a:cs typeface="Lexend"/>
                 <a:sym typeface="Lexend"/>
               </a:rPr>
-              <a:t>Recommender System - 1. Motivation</a:t>
+              <a:t>Recommender System - Motivation</a:t>
             </a:r>
-            <a:endParaRPr sz="2200">
+            <a:endParaRPr sz="2200" dirty="0">
               <a:latin typeface="Lexend"/>
               <a:ea typeface="Lexend"/>
               <a:cs typeface="Lexend"/>
@@ -20721,7 +20750,7 @@
                 <a:cs typeface="Lexend"/>
                 <a:sym typeface="Lexend"/>
               </a:rPr>
-              <a:t>Recommender System - 2. Our proposal</a:t>
+              <a:t>Recommender System - Our proposal</a:t>
             </a:r>
             <a:endParaRPr sz="2200" dirty="0">
               <a:latin typeface="Lexend"/>
@@ -20941,7 +20970,7 @@
                 <a:cs typeface="Lexend"/>
                 <a:sym typeface="Lexend"/>
               </a:rPr>
-              <a:t>Recommender System - 3. Project Plan and Milestones</a:t>
+              <a:t>Recommender System - Project Plan and Milestones</a:t>
             </a:r>
             <a:endParaRPr sz="2200" dirty="0">
               <a:latin typeface="Lexend"/>
@@ -21233,7 +21262,7 @@
                 <a:cs typeface="Lexend"/>
                 <a:sym typeface="Lexend"/>
               </a:rPr>
-              <a:t>Recommender System – 4. Results</a:t>
+              <a:t>Recommender System – Results</a:t>
             </a:r>
             <a:endParaRPr sz="2200" dirty="0">
               <a:latin typeface="Lexend"/>
@@ -21342,57 +21371,150 @@
           </a:p>
         </p:txBody>
       </p:sp>
-      <p:pic>
-        <p:nvPicPr>
-          <p:cNvPr id="1026" name="Picture 2">
+      <p:sp>
+        <p:nvSpPr>
+          <p:cNvPr id="2" name="Google Shape;93;p15">
             <a:extLst>
               <a:ext uri="{FF2B5EF4-FFF2-40B4-BE49-F238E27FC236}">
-                <a16:creationId xmlns:a16="http://schemas.microsoft.com/office/drawing/2014/main" id="{0B32BEA7-11BF-9DB0-5AF7-B7B58B92AAE3}"/>
+                <a16:creationId xmlns:a16="http://schemas.microsoft.com/office/drawing/2014/main" id="{CEF0705D-66EC-43E8-9C22-15001C7DE1C8}"/>
               </a:ext>
             </a:extLst>
           </p:cNvPr>
-          <p:cNvPicPr>
-            <a:picLocks noChangeAspect="1" noChangeArrowheads="1"/>
-          </p:cNvPicPr>
+          <p:cNvSpPr txBox="1"/>
           <p:nvPr/>
-        </p:nvPicPr>
-        <p:blipFill>
-          <a:blip r:embed="rId5">
-            <a:extLst>
-              <a:ext uri="{28A0092B-C50C-407E-A947-70E740481C1C}">
-                <a14:useLocalDpi xmlns:a14="http://schemas.microsoft.com/office/drawing/2010/main" val="0"/>
-              </a:ext>
-            </a:extLst>
-          </a:blip>
-          <a:srcRect/>
-          <a:stretch>
-            <a:fillRect/>
-          </a:stretch>
-        </p:blipFill>
-        <p:spPr bwMode="auto">
-          <a:xfrm>
-            <a:off x="4895193" y="2421796"/>
-            <a:ext cx="3663532" cy="2245950"/>
+        </p:nvSpPr>
+        <p:spPr>
+          <a:xfrm>
+            <a:off x="664888" y="2092817"/>
+            <a:ext cx="7807562" cy="2570400"/>
           </a:xfrm>
           <a:prstGeom prst="rect">
             <a:avLst/>
           </a:prstGeom>
           <a:noFill/>
-          <a:extLst>
-            <a:ext uri="{909E8E84-426E-40DD-AFC4-6F175D3DCCD1}">
-              <a14:hiddenFill xmlns:a14="http://schemas.microsoft.com/office/drawing/2010/main">
+          <a:ln>
+            <a:noFill/>
+          </a:ln>
+        </p:spPr>
+        <p:txBody>
+          <a:bodyPr spcFirstLastPara="1" wrap="square" lIns="91425" tIns="91425" rIns="91425" bIns="91425" anchor="t" anchorCtr="0">
+            <a:spAutoFit/>
+          </a:bodyPr>
+          <a:lstStyle/>
+          <a:p>
+            <a:pPr algn="just" rtl="0" fontAlgn="base">
+              <a:spcBef>
+                <a:spcPts val="0"/>
+              </a:spcBef>
+              <a:spcAft>
+                <a:spcPts val="0"/>
+              </a:spcAft>
+            </a:pPr>
+            <a:r>
+              <a:rPr lang="en-GB" sz="1900" b="0" i="0" u="none" strike="noStrike" dirty="0">
                 <a:solidFill>
-                  <a:srgbClr val="FFFFFF"/>
+                  <a:srgbClr val="000000"/>
                 </a:solidFill>
-              </a14:hiddenFill>
-            </a:ext>
-          </a:extLst>
-        </p:spPr>
-      </p:pic>
+                <a:effectLst/>
+                <a:latin typeface="Ubuntu" panose="020B0504030602030204" pitchFamily="34" charset="0"/>
+              </a:rPr>
+              <a:t>Must contain per each experiment</a:t>
+            </a:r>
+          </a:p>
+          <a:p>
+            <a:pPr marL="742950" lvl="1" indent="-285750" algn="just" rtl="0" fontAlgn="base">
+              <a:spcBef>
+                <a:spcPts val="0"/>
+              </a:spcBef>
+              <a:spcAft>
+                <a:spcPts val="0"/>
+              </a:spcAft>
+              <a:buFont typeface="Arial" panose="020B0604020202020204" pitchFamily="34" charset="0"/>
+              <a:buChar char="•"/>
+            </a:pPr>
+            <a:r>
+              <a:rPr lang="en-GB" sz="1900" b="0" i="0" u="none" strike="noStrike" dirty="0">
+                <a:solidFill>
+                  <a:srgbClr val="000000"/>
+                </a:solidFill>
+                <a:effectLst/>
+                <a:latin typeface="Ubuntu" panose="020B0504030602030204" pitchFamily="34" charset="0"/>
+              </a:rPr>
+              <a:t>Hypothesis: what do you expect to learn/observe from the experiment?</a:t>
+            </a:r>
+          </a:p>
+          <a:p>
+            <a:pPr marL="742950" lvl="1" indent="-285750" algn="just" rtl="0" fontAlgn="base">
+              <a:spcBef>
+                <a:spcPts val="0"/>
+              </a:spcBef>
+              <a:spcAft>
+                <a:spcPts val="0"/>
+              </a:spcAft>
+              <a:buFont typeface="Arial" panose="020B0604020202020204" pitchFamily="34" charset="0"/>
+              <a:buChar char="•"/>
+            </a:pPr>
+            <a:r>
+              <a:rPr lang="en-GB" sz="1900" b="0" i="0" u="none" strike="noStrike" dirty="0">
+                <a:solidFill>
+                  <a:srgbClr val="000000"/>
+                </a:solidFill>
+                <a:effectLst/>
+                <a:latin typeface="Ubuntu" panose="020B0504030602030204" pitchFamily="34" charset="0"/>
+              </a:rPr>
+              <a:t>Experiment setup: here you explain what the experiment consists on (architecture, data...)</a:t>
+            </a:r>
+          </a:p>
+          <a:p>
+            <a:pPr marL="742950" lvl="1" indent="-285750" algn="just" rtl="0" fontAlgn="base">
+              <a:spcBef>
+                <a:spcPts val="0"/>
+              </a:spcBef>
+              <a:spcAft>
+                <a:spcPts val="0"/>
+              </a:spcAft>
+              <a:buFont typeface="Arial" panose="020B0604020202020204" pitchFamily="34" charset="0"/>
+              <a:buChar char="•"/>
+            </a:pPr>
+            <a:r>
+              <a:rPr lang="en-GB" sz="1900" b="0" i="0" u="none" strike="noStrike" dirty="0">
+                <a:solidFill>
+                  <a:srgbClr val="000000"/>
+                </a:solidFill>
+                <a:effectLst/>
+                <a:latin typeface="Ubuntu" panose="020B0504030602030204" pitchFamily="34" charset="0"/>
+              </a:rPr>
+              <a:t>Results: pretty obvious</a:t>
+            </a:r>
+          </a:p>
+          <a:p>
+            <a:pPr marL="742950" lvl="1" indent="-285750" algn="just" rtl="0" fontAlgn="base">
+              <a:spcBef>
+                <a:spcPts val="0"/>
+              </a:spcBef>
+              <a:spcAft>
+                <a:spcPts val="0"/>
+              </a:spcAft>
+              <a:buFont typeface="Arial" panose="020B0604020202020204" pitchFamily="34" charset="0"/>
+              <a:buChar char="•"/>
+            </a:pPr>
+            <a:r>
+              <a:rPr lang="en-GB" sz="1900" b="0" i="0" u="none" strike="noStrike" dirty="0">
+                <a:solidFill>
+                  <a:srgbClr val="000000"/>
+                </a:solidFill>
+                <a:effectLst/>
+                <a:latin typeface="Ubuntu" panose="020B0504030602030204" pitchFamily="34" charset="0"/>
+              </a:rPr>
+              <a:t>Conclusions: what insights do you get from the results (usually these lead to new hypothesis)</a:t>
+            </a:r>
+          </a:p>
+        </p:txBody>
+      </p:sp>
     </p:spTree>
     <p:extLst>
       <p:ext uri="{BB962C8B-B14F-4D97-AF65-F5344CB8AC3E}">
-        <p14:creationId xmlns:p14="http://schemas.microsoft.com/office/powerpoint/2010/main" val="3856334549"/>
+        <p14:creationId xmlns:p14="http://schemas.microsoft.com/office/powerpoint/2010/main" val="2232495544"/>
       </p:ext>
     </p:extLst>
   </p:cSld>
@@ -21500,7 +21622,7 @@
                 <a:cs typeface="Lexend"/>
                 <a:sym typeface="Lexend"/>
               </a:rPr>
-              <a:t>Recommender System – 4. Results</a:t>
+              <a:t>Recommender System – Results</a:t>
             </a:r>
             <a:endParaRPr sz="2200" dirty="0">
               <a:latin typeface="Lexend"/>
@@ -21609,150 +21731,10 @@
           </a:p>
         </p:txBody>
       </p:sp>
-      <p:sp>
-        <p:nvSpPr>
-          <p:cNvPr id="2" name="Google Shape;93;p15">
-            <a:extLst>
-              <a:ext uri="{FF2B5EF4-FFF2-40B4-BE49-F238E27FC236}">
-                <a16:creationId xmlns:a16="http://schemas.microsoft.com/office/drawing/2014/main" id="{CEF0705D-66EC-43E8-9C22-15001C7DE1C8}"/>
-              </a:ext>
-            </a:extLst>
-          </p:cNvPr>
-          <p:cNvSpPr txBox="1"/>
-          <p:nvPr/>
-        </p:nvSpPr>
-        <p:spPr>
-          <a:xfrm>
-            <a:off x="664888" y="1666019"/>
-            <a:ext cx="7807562" cy="2570400"/>
-          </a:xfrm>
-          <a:prstGeom prst="rect">
-            <a:avLst/>
-          </a:prstGeom>
-          <a:noFill/>
-          <a:ln>
-            <a:noFill/>
-          </a:ln>
-        </p:spPr>
-        <p:txBody>
-          <a:bodyPr spcFirstLastPara="1" wrap="square" lIns="91425" tIns="91425" rIns="91425" bIns="91425" anchor="t" anchorCtr="0">
-            <a:spAutoFit/>
-          </a:bodyPr>
-          <a:lstStyle/>
-          <a:p>
-            <a:pPr algn="just" rtl="0" fontAlgn="base">
-              <a:spcBef>
-                <a:spcPts val="0"/>
-              </a:spcBef>
-              <a:spcAft>
-                <a:spcPts val="0"/>
-              </a:spcAft>
-            </a:pPr>
-            <a:r>
-              <a:rPr lang="en-GB" sz="1900" b="0" i="0" u="none" strike="noStrike" dirty="0">
-                <a:solidFill>
-                  <a:srgbClr val="000000"/>
-                </a:solidFill>
-                <a:effectLst/>
-                <a:latin typeface="Ubuntu" panose="020B0504030602030204" pitchFamily="34" charset="0"/>
-              </a:rPr>
-              <a:t>Must contain per each experiment</a:t>
-            </a:r>
-          </a:p>
-          <a:p>
-            <a:pPr marL="742950" lvl="1" indent="-285750" algn="just" rtl="0" fontAlgn="base">
-              <a:spcBef>
-                <a:spcPts val="0"/>
-              </a:spcBef>
-              <a:spcAft>
-                <a:spcPts val="0"/>
-              </a:spcAft>
-              <a:buFont typeface="Arial" panose="020B0604020202020204" pitchFamily="34" charset="0"/>
-              <a:buChar char="•"/>
-            </a:pPr>
-            <a:r>
-              <a:rPr lang="en-GB" sz="1900" b="0" i="0" u="none" strike="noStrike" dirty="0">
-                <a:solidFill>
-                  <a:srgbClr val="000000"/>
-                </a:solidFill>
-                <a:effectLst/>
-                <a:latin typeface="Ubuntu" panose="020B0504030602030204" pitchFamily="34" charset="0"/>
-              </a:rPr>
-              <a:t>Hypothesis: what do you expect to learn/observe from the experiment?</a:t>
-            </a:r>
-          </a:p>
-          <a:p>
-            <a:pPr marL="742950" lvl="1" indent="-285750" algn="just" rtl="0" fontAlgn="base">
-              <a:spcBef>
-                <a:spcPts val="0"/>
-              </a:spcBef>
-              <a:spcAft>
-                <a:spcPts val="0"/>
-              </a:spcAft>
-              <a:buFont typeface="Arial" panose="020B0604020202020204" pitchFamily="34" charset="0"/>
-              <a:buChar char="•"/>
-            </a:pPr>
-            <a:r>
-              <a:rPr lang="en-GB" sz="1900" b="0" i="0" u="none" strike="noStrike" dirty="0">
-                <a:solidFill>
-                  <a:srgbClr val="000000"/>
-                </a:solidFill>
-                <a:effectLst/>
-                <a:latin typeface="Ubuntu" panose="020B0504030602030204" pitchFamily="34" charset="0"/>
-              </a:rPr>
-              <a:t>Experiment setup: here you explain what the experiment consists on (architecture, data...)</a:t>
-            </a:r>
-          </a:p>
-          <a:p>
-            <a:pPr marL="742950" lvl="1" indent="-285750" algn="just" rtl="0" fontAlgn="base">
-              <a:spcBef>
-                <a:spcPts val="0"/>
-              </a:spcBef>
-              <a:spcAft>
-                <a:spcPts val="0"/>
-              </a:spcAft>
-              <a:buFont typeface="Arial" panose="020B0604020202020204" pitchFamily="34" charset="0"/>
-              <a:buChar char="•"/>
-            </a:pPr>
-            <a:r>
-              <a:rPr lang="en-GB" sz="1900" b="0" i="0" u="none" strike="noStrike" dirty="0">
-                <a:solidFill>
-                  <a:srgbClr val="000000"/>
-                </a:solidFill>
-                <a:effectLst/>
-                <a:latin typeface="Ubuntu" panose="020B0504030602030204" pitchFamily="34" charset="0"/>
-              </a:rPr>
-              <a:t>Results: pretty obvious</a:t>
-            </a:r>
-          </a:p>
-          <a:p>
-            <a:pPr marL="742950" lvl="1" indent="-285750" algn="just" rtl="0" fontAlgn="base">
-              <a:spcBef>
-                <a:spcPts val="0"/>
-              </a:spcBef>
-              <a:spcAft>
-                <a:spcPts val="0"/>
-              </a:spcAft>
-              <a:buFont typeface="Arial" panose="020B0604020202020204" pitchFamily="34" charset="0"/>
-              <a:buChar char="•"/>
-            </a:pPr>
-            <a:r>
-              <a:rPr lang="en-GB" sz="1900" b="0" i="0" u="none" strike="noStrike" dirty="0">
-                <a:solidFill>
-                  <a:srgbClr val="000000"/>
-                </a:solidFill>
-                <a:effectLst/>
-                <a:latin typeface="Ubuntu" panose="020B0504030602030204" pitchFamily="34" charset="0"/>
-              </a:rPr>
-              <a:t>Conclusions: what insights do you get from the results (usually these lead to new hypothesis)</a:t>
-            </a:r>
-          </a:p>
-        </p:txBody>
-      </p:sp>
     </p:spTree>
     <p:extLst>
       <p:ext uri="{BB962C8B-B14F-4D97-AF65-F5344CB8AC3E}">
-        <p14:creationId xmlns:p14="http://schemas.microsoft.com/office/powerpoint/2010/main" val="2232495544"/>
+        <p14:creationId xmlns:p14="http://schemas.microsoft.com/office/powerpoint/2010/main" val="3856334549"/>
       </p:ext>
     </p:extLst>
   </p:cSld>
@@ -21860,7 +21842,7 @@
                 <a:cs typeface="Lexend"/>
                 <a:sym typeface="Lexend"/>
               </a:rPr>
-              <a:t>Recommender System – 5. Conclusions</a:t>
+              <a:t>Recommender System – Conclusions</a:t>
             </a:r>
             <a:endParaRPr sz="2200" dirty="0">
               <a:latin typeface="Lexend"/>
